--- a/문대진_포트폴리오용.pptx
+++ b/문대진_포트폴리오용.pptx
@@ -107,6 +107,14 @@
       </a:defRPr>
     </a:lvl9pPr>
   </p:defaultTextStyle>
+  <p:extLst>
+    <p:ext uri="{EFAFB233-063F-42B5-8137-9DF3F51BA10A}">
+      <p15:sldGuideLst xmlns:p15="http://schemas.microsoft.com/office/powerpoint/2012/main"/>
+    </p:ext>
+    <p:ext uri="{2D200454-40CA-4A62-9FC3-DE9A4176ACB9}">
+      <p15:notesGuideLst xmlns:p15="http://schemas.microsoft.com/office/powerpoint/2012/main"/>
+    </p:ext>
+  </p:extLst>
 </p:presentation>
 </file>
 
@@ -204,7 +212,7 @@
           <a:p>
             <a:fld id="{14BE6AFD-91E3-45AD-A05A-572BFF058F8E}" type="datetimeFigureOut">
               <a:rPr lang="ko-KR" altLang="en-US" smtClean="0"/>
-              <a:t>2025-02-04</a:t>
+              <a:t>2025-02-10</a:t>
             </a:fld>
             <a:endParaRPr lang="ko-KR" altLang="en-US"/>
           </a:p>
@@ -430,7 +438,7 @@
           <a:p>
             <a:fld id="{C6A72A79-3CD5-45FF-B4A2-CB727F17E6E3}" type="datetimeFigureOut">
               <a:rPr lang="ko-KR" altLang="en-US" smtClean="0"/>
-              <a:t>2025-02-04</a:t>
+              <a:t>2025-02-10</a:t>
             </a:fld>
             <a:endParaRPr lang="ko-KR" altLang="en-US"/>
           </a:p>
@@ -600,7 +608,7 @@
           <a:p>
             <a:fld id="{C6A72A79-3CD5-45FF-B4A2-CB727F17E6E3}" type="datetimeFigureOut">
               <a:rPr lang="ko-KR" altLang="en-US" smtClean="0"/>
-              <a:t>2025-02-04</a:t>
+              <a:t>2025-02-10</a:t>
             </a:fld>
             <a:endParaRPr lang="ko-KR" altLang="en-US"/>
           </a:p>
@@ -780,7 +788,7 @@
           <a:p>
             <a:fld id="{C6A72A79-3CD5-45FF-B4A2-CB727F17E6E3}" type="datetimeFigureOut">
               <a:rPr lang="ko-KR" altLang="en-US" smtClean="0"/>
-              <a:t>2025-02-04</a:t>
+              <a:t>2025-02-10</a:t>
             </a:fld>
             <a:endParaRPr lang="ko-KR" altLang="en-US"/>
           </a:p>
@@ -950,7 +958,7 @@
           <a:p>
             <a:fld id="{C6A72A79-3CD5-45FF-B4A2-CB727F17E6E3}" type="datetimeFigureOut">
               <a:rPr lang="ko-KR" altLang="en-US" smtClean="0"/>
-              <a:t>2025-02-04</a:t>
+              <a:t>2025-02-10</a:t>
             </a:fld>
             <a:endParaRPr lang="ko-KR" altLang="en-US"/>
           </a:p>
@@ -1194,7 +1202,7 @@
           <a:p>
             <a:fld id="{C6A72A79-3CD5-45FF-B4A2-CB727F17E6E3}" type="datetimeFigureOut">
               <a:rPr lang="ko-KR" altLang="en-US" smtClean="0"/>
-              <a:t>2025-02-04</a:t>
+              <a:t>2025-02-10</a:t>
             </a:fld>
             <a:endParaRPr lang="ko-KR" altLang="en-US"/>
           </a:p>
@@ -1426,7 +1434,7 @@
           <a:p>
             <a:fld id="{C6A72A79-3CD5-45FF-B4A2-CB727F17E6E3}" type="datetimeFigureOut">
               <a:rPr lang="ko-KR" altLang="en-US" smtClean="0"/>
-              <a:t>2025-02-04</a:t>
+              <a:t>2025-02-10</a:t>
             </a:fld>
             <a:endParaRPr lang="ko-KR" altLang="en-US"/>
           </a:p>
@@ -1793,7 +1801,7 @@
           <a:p>
             <a:fld id="{C6A72A79-3CD5-45FF-B4A2-CB727F17E6E3}" type="datetimeFigureOut">
               <a:rPr lang="ko-KR" altLang="en-US" smtClean="0"/>
-              <a:t>2025-02-04</a:t>
+              <a:t>2025-02-10</a:t>
             </a:fld>
             <a:endParaRPr lang="ko-KR" altLang="en-US"/>
           </a:p>
@@ -1911,7 +1919,7 @@
           <a:p>
             <a:fld id="{C6A72A79-3CD5-45FF-B4A2-CB727F17E6E3}" type="datetimeFigureOut">
               <a:rPr lang="ko-KR" altLang="en-US" smtClean="0"/>
-              <a:t>2025-02-04</a:t>
+              <a:t>2025-02-10</a:t>
             </a:fld>
             <a:endParaRPr lang="ko-KR" altLang="en-US"/>
           </a:p>
@@ -2006,7 +2014,7 @@
           <a:p>
             <a:fld id="{C6A72A79-3CD5-45FF-B4A2-CB727F17E6E3}" type="datetimeFigureOut">
               <a:rPr lang="ko-KR" altLang="en-US" smtClean="0"/>
-              <a:t>2025-02-04</a:t>
+              <a:t>2025-02-10</a:t>
             </a:fld>
             <a:endParaRPr lang="ko-KR" altLang="en-US"/>
           </a:p>
@@ -2283,7 +2291,7 @@
           <a:p>
             <a:fld id="{C6A72A79-3CD5-45FF-B4A2-CB727F17E6E3}" type="datetimeFigureOut">
               <a:rPr lang="ko-KR" altLang="en-US" smtClean="0"/>
-              <a:t>2025-02-04</a:t>
+              <a:t>2025-02-10</a:t>
             </a:fld>
             <a:endParaRPr lang="ko-KR" altLang="en-US"/>
           </a:p>
@@ -2540,7 +2548,7 @@
           <a:p>
             <a:fld id="{C6A72A79-3CD5-45FF-B4A2-CB727F17E6E3}" type="datetimeFigureOut">
               <a:rPr lang="ko-KR" altLang="en-US" smtClean="0"/>
-              <a:t>2025-02-04</a:t>
+              <a:t>2025-02-10</a:t>
             </a:fld>
             <a:endParaRPr lang="ko-KR" altLang="en-US"/>
           </a:p>
@@ -2753,7 +2761,7 @@
           <a:p>
             <a:fld id="{C6A72A79-3CD5-45FF-B4A2-CB727F17E6E3}" type="datetimeFigureOut">
               <a:rPr lang="ko-KR" altLang="en-US" smtClean="0"/>
-              <a:t>2025-02-04</a:t>
+              <a:t>2025-02-10</a:t>
             </a:fld>
             <a:endParaRPr lang="ko-KR" altLang="en-US"/>
           </a:p>
@@ -3160,51 +3168,76 @@
       </p:grpSpPr>
       <p:sp>
         <p:nvSpPr>
-          <p:cNvPr id="2" name="제목 1">
+          <p:cNvPr id="6" name="TextBox 5">
             <a:extLst>
               <a:ext uri="{FF2B5EF4-FFF2-40B4-BE49-F238E27FC236}">
-                <a16:creationId xmlns:a16="http://schemas.microsoft.com/office/drawing/2014/main" id="{C3E6CECC-A3C4-0814-D655-4D6BEE14047F}"/>
+                <a16:creationId xmlns:a16="http://schemas.microsoft.com/office/drawing/2014/main" id="{A93F459D-F0DE-B33B-7C32-2EA883D96882}"/>
               </a:ext>
             </a:extLst>
           </p:cNvPr>
-          <p:cNvSpPr>
-            <a:spLocks noGrp="1"/>
-          </p:cNvSpPr>
-          <p:nvPr>
-            <p:ph type="ctrTitle"/>
-          </p:nvPr>
-        </p:nvSpPr>
-        <p:spPr/>
-        <p:txBody>
-          <a:bodyPr/>
-          <a:lstStyle/>
-          <a:p>
-            <a:endParaRPr lang="ko-KR" altLang="en-US" dirty="0"/>
-          </a:p>
-        </p:txBody>
-      </p:sp>
-      <p:sp>
-        <p:nvSpPr>
-          <p:cNvPr id="3" name="부제목 2">
-            <a:extLst>
-              <a:ext uri="{FF2B5EF4-FFF2-40B4-BE49-F238E27FC236}">
-                <a16:creationId xmlns:a16="http://schemas.microsoft.com/office/drawing/2014/main" id="{B0475416-2584-7F01-A48C-82A43E2C03F4}"/>
-              </a:ext>
-            </a:extLst>
-          </p:cNvPr>
-          <p:cNvSpPr>
-            <a:spLocks noGrp="1"/>
-          </p:cNvSpPr>
-          <p:nvPr>
-            <p:ph type="subTitle" idx="1"/>
-          </p:nvPr>
-        </p:nvSpPr>
-        <p:spPr/>
-        <p:txBody>
-          <a:bodyPr/>
-          <a:lstStyle/>
-          <a:p>
-            <a:endParaRPr lang="ko-KR" altLang="en-US"/>
+          <p:cNvSpPr txBox="1"/>
+          <p:nvPr/>
+        </p:nvSpPr>
+        <p:spPr>
+          <a:xfrm>
+            <a:off x="720000" y="720000"/>
+            <a:ext cx="5511800" cy="710964"/>
+          </a:xfrm>
+          <a:prstGeom prst="rect">
+            <a:avLst/>
+          </a:prstGeom>
+          <a:noFill/>
+        </p:spPr>
+        <p:txBody>
+          <a:bodyPr wrap="square" rtlCol="0">
+            <a:spAutoFit/>
+          </a:bodyPr>
+          <a:lstStyle/>
+          <a:p>
+            <a:r>
+              <a:rPr lang="ko-KR" altLang="en-US" dirty="0">
+                <a:latin typeface="+mj-lt"/>
+              </a:rPr>
+              <a:t>사용자의 만족감을 중요시하며</a:t>
+            </a:r>
+            <a:r>
+              <a:rPr lang="en-US" altLang="ko-KR" dirty="0">
+                <a:latin typeface="+mj-lt"/>
+              </a:rPr>
+              <a:t>, </a:t>
+            </a:r>
+            <a:r>
+              <a:rPr lang="ko-KR" altLang="en-US" dirty="0">
+                <a:latin typeface="+mj-lt"/>
+              </a:rPr>
+              <a:t>항상 낮은 자세로 배우는</a:t>
+            </a:r>
+            <a:endParaRPr lang="en-US" altLang="ko-KR" dirty="0">
+              <a:latin typeface="+mj-lt"/>
+            </a:endParaRPr>
+          </a:p>
+          <a:p>
+            <a:r>
+              <a:rPr lang="ko-KR" altLang="en-US" dirty="0" err="1">
+                <a:latin typeface="+mj-lt"/>
+              </a:rPr>
+              <a:t>백엔드</a:t>
+            </a:r>
+            <a:r>
+              <a:rPr lang="ko-KR" altLang="en-US" dirty="0">
+                <a:latin typeface="+mj-lt"/>
+              </a:rPr>
+              <a:t> 개발자 문대진 입니다</a:t>
+            </a:r>
+            <a:r>
+              <a:rPr lang="en-US" altLang="ko-KR" dirty="0">
+                <a:latin typeface="+mj-lt"/>
+              </a:rPr>
+              <a:t>.</a:t>
+            </a:r>
+            <a:endParaRPr lang="ko-KR" altLang="en-US" dirty="0">
+              <a:latin typeface="+mj-lt"/>
+            </a:endParaRPr>
           </a:p>
         </p:txBody>
       </p:sp>
@@ -3262,76 +3295,16 @@
         <a:srgbClr val="954F72"/>
       </a:folHlink>
     </a:clrScheme>
-    <a:fontScheme name="Office 테마">
+    <a:fontScheme name="사용자 지정 1">
       <a:majorFont>
-        <a:latin typeface="Calibri Light" panose="020F0302020204030204"/>
-        <a:ea typeface=""/>
+        <a:latin typeface="SUIT Variable Medium"/>
+        <a:ea typeface="SUIT Variable Medium"/>
         <a:cs typeface=""/>
-        <a:font script="Jpan" typeface="游ゴシック Light"/>
-        <a:font script="Hang" typeface="맑은 고딕"/>
-        <a:font script="Hans" typeface="等线 Light"/>
-        <a:font script="Hant" typeface="新細明體"/>
-        <a:font script="Arab" typeface="Times New Roman"/>
-        <a:font script="Hebr" typeface="Times New Roman"/>
-        <a:font script="Thai" typeface="Angsana New"/>
-        <a:font script="Ethi" typeface="Nyala"/>
-        <a:font script="Beng" typeface="Vrinda"/>
-        <a:font script="Gujr" typeface="Shruti"/>
-        <a:font script="Khmr" typeface="MoolBoran"/>
-        <a:font script="Knda" typeface="Tunga"/>
-        <a:font script="Guru" typeface="Raavi"/>
-        <a:font script="Cans" typeface="Euphemia"/>
-        <a:font script="Cher" typeface="Plantagenet Cherokee"/>
-        <a:font script="Yiii" typeface="Microsoft Yi Baiti"/>
-        <a:font script="Tibt" typeface="Microsoft Himalaya"/>
-        <a:font script="Thaa" typeface="MV Boli"/>
-        <a:font script="Deva" typeface="Mangal"/>
-        <a:font script="Telu" typeface="Gautami"/>
-        <a:font script="Taml" typeface="Latha"/>
-        <a:font script="Syrc" typeface="Estrangelo Edessa"/>
-        <a:font script="Orya" typeface="Kalinga"/>
-        <a:font script="Mlym" typeface="Kartika"/>
-        <a:font script="Laoo" typeface="DokChampa"/>
-        <a:font script="Sinh" typeface="Iskoola Pota"/>
-        <a:font script="Mong" typeface="Mongolian Baiti"/>
-        <a:font script="Viet" typeface="Times New Roman"/>
-        <a:font script="Uigh" typeface="Microsoft Uighur"/>
-        <a:font script="Geor" typeface="Sylfaen"/>
       </a:majorFont>
       <a:minorFont>
-        <a:latin typeface="Calibri" panose="020F0502020204030204"/>
-        <a:ea typeface=""/>
+        <a:latin typeface="SUIT Variable"/>
+        <a:ea typeface="SUIT Variable"/>
         <a:cs typeface=""/>
-        <a:font script="Jpan" typeface="游ゴシック"/>
-        <a:font script="Hang" typeface="맑은 고딕"/>
-        <a:font script="Hans" typeface="等线"/>
-        <a:font script="Hant" typeface="新細明體"/>
-        <a:font script="Arab" typeface="Arial"/>
-        <a:font script="Hebr" typeface="Arial"/>
-        <a:font script="Thai" typeface="Cordia New"/>
-        <a:font script="Ethi" typeface="Nyala"/>
-        <a:font script="Beng" typeface="Vrinda"/>
-        <a:font script="Gujr" typeface="Shruti"/>
-        <a:font script="Khmr" typeface="DaunPenh"/>
-        <a:font script="Knda" typeface="Tunga"/>
-        <a:font script="Guru" typeface="Raavi"/>
-        <a:font script="Cans" typeface="Euphemia"/>
-        <a:font script="Cher" typeface="Plantagenet Cherokee"/>
-        <a:font script="Yiii" typeface="Microsoft Yi Baiti"/>
-        <a:font script="Tibt" typeface="Microsoft Himalaya"/>
-        <a:font script="Thaa" typeface="MV Boli"/>
-        <a:font script="Deva" typeface="Mangal"/>
-        <a:font script="Telu" typeface="Gautami"/>
-        <a:font script="Taml" typeface="Latha"/>
-        <a:font script="Syrc" typeface="Estrangelo Edessa"/>
-        <a:font script="Orya" typeface="Kalinga"/>
-        <a:font script="Mlym" typeface="Kartika"/>
-        <a:font script="Laoo" typeface="DokChampa"/>
-        <a:font script="Sinh" typeface="Iskoola Pota"/>
-        <a:font script="Mong" typeface="Mongolian Baiti"/>
-        <a:font script="Viet" typeface="Arial"/>
-        <a:font script="Uigh" typeface="Microsoft Uighur"/>
-        <a:font script="Geor" typeface="Sylfaen"/>
       </a:minorFont>
     </a:fontScheme>
     <a:fmtScheme name="Office 테마">
